--- a/ppt 16-9/1321.你是我的主.pptx
+++ b/ppt 16-9/1321.你是我的主.pptx
@@ -5,7 +5,7 @@
     <p:sldMasterId id="2147483648" r:id="rId1"/>
   </p:sldMasterIdLst>
   <p:sldIdLst>
-    <p:sldId id="873" r:id="rId2"/>
+    <p:sldId id="875" r:id="rId2"/>
   </p:sldIdLst>
   <p:sldSz cx="12192000" cy="6858000"/>
   <p:notesSz cx="6858000" cy="9144000"/>
@@ -129,7 +129,7 @@
           <p:cNvPr id="2" name="标题 1">
             <a:extLst>
               <a:ext uri="{FF2B5EF4-FFF2-40B4-BE49-F238E27FC236}">
-                <a16:creationId xmlns:a16="http://schemas.microsoft.com/office/drawing/2014/main" id="{FF0CA51C-F479-FE17-04B1-9B1B08F465FC}"/>
+                <a16:creationId xmlns:a16="http://schemas.microsoft.com/office/drawing/2014/main" id="{2962F352-BAD3-58BE-5C8F-50032CC601ED}"/>
               </a:ext>
             </a:extLst>
           </p:cNvPr>
@@ -166,7 +166,7 @@
           <p:cNvPr id="3" name="副标题 2">
             <a:extLst>
               <a:ext uri="{FF2B5EF4-FFF2-40B4-BE49-F238E27FC236}">
-                <a16:creationId xmlns:a16="http://schemas.microsoft.com/office/drawing/2014/main" id="{5C0B83CA-1367-E01A-5452-72B12511E209}"/>
+                <a16:creationId xmlns:a16="http://schemas.microsoft.com/office/drawing/2014/main" id="{692465CA-A74A-5ABD-3339-B77DEBADC9F7}"/>
               </a:ext>
             </a:extLst>
           </p:cNvPr>
@@ -236,7 +236,7 @@
           <p:cNvPr id="4" name="日期占位符 3">
             <a:extLst>
               <a:ext uri="{FF2B5EF4-FFF2-40B4-BE49-F238E27FC236}">
-                <a16:creationId xmlns:a16="http://schemas.microsoft.com/office/drawing/2014/main" id="{834E51B5-A006-8C53-EA51-3EA762E2760B}"/>
+                <a16:creationId xmlns:a16="http://schemas.microsoft.com/office/drawing/2014/main" id="{1DE43C37-2616-D027-9977-A86D5DAA9CF8}"/>
               </a:ext>
             </a:extLst>
           </p:cNvPr>
@@ -252,7 +252,7 @@
           <a:bodyPr/>
           <a:lstStyle/>
           <a:p>
-            <a:fld id="{9B43F56C-6BFF-4BF9-ADDD-27D6A594C029}" type="datetimeFigureOut">
+            <a:fld id="{DAA4AC57-EC32-43BA-BF59-EB7AB5B2CA4B}" type="datetimeFigureOut">
               <a:rPr lang="zh-CN" altLang="en-US" smtClean="0"/>
               <a:t>2024/3/10</a:t>
             </a:fld>
@@ -265,7 +265,7 @@
           <p:cNvPr id="5" name="页脚占位符 4">
             <a:extLst>
               <a:ext uri="{FF2B5EF4-FFF2-40B4-BE49-F238E27FC236}">
-                <a16:creationId xmlns:a16="http://schemas.microsoft.com/office/drawing/2014/main" id="{A12E398F-94DD-D8AE-D2CB-7182F3DC5820}"/>
+                <a16:creationId xmlns:a16="http://schemas.microsoft.com/office/drawing/2014/main" id="{98B2E464-440D-D626-F2AB-E7A090C4385F}"/>
               </a:ext>
             </a:extLst>
           </p:cNvPr>
@@ -290,7 +290,7 @@
           <p:cNvPr id="6" name="灯片编号占位符 5">
             <a:extLst>
               <a:ext uri="{FF2B5EF4-FFF2-40B4-BE49-F238E27FC236}">
-                <a16:creationId xmlns:a16="http://schemas.microsoft.com/office/drawing/2014/main" id="{D05ED4C5-95F7-2D55-1EF7-702B09E4118B}"/>
+                <a16:creationId xmlns:a16="http://schemas.microsoft.com/office/drawing/2014/main" id="{7B2126D4-7622-04D0-68D0-169879064C96}"/>
               </a:ext>
             </a:extLst>
           </p:cNvPr>
@@ -306,7 +306,7 @@
           <a:bodyPr/>
           <a:lstStyle/>
           <a:p>
-            <a:fld id="{4B8BF2CE-0E1C-4F41-95FA-417A09952769}" type="slidenum">
+            <a:fld id="{08ACB8F0-A99F-4760-99FE-C8CDEDC46349}" type="slidenum">
               <a:rPr lang="zh-CN" altLang="en-US" smtClean="0"/>
               <a:t>‹#›</a:t>
             </a:fld>
@@ -317,7 +317,7 @@
     </p:spTree>
     <p:extLst>
       <p:ext uri="{BB962C8B-B14F-4D97-AF65-F5344CB8AC3E}">
-        <p14:creationId xmlns:p14="http://schemas.microsoft.com/office/powerpoint/2010/main" val="3842727099"/>
+        <p14:creationId xmlns:p14="http://schemas.microsoft.com/office/powerpoint/2010/main" val="3322468341"/>
       </p:ext>
     </p:extLst>
   </p:cSld>
@@ -349,7 +349,7 @@
           <p:cNvPr id="2" name="标题 1">
             <a:extLst>
               <a:ext uri="{FF2B5EF4-FFF2-40B4-BE49-F238E27FC236}">
-                <a16:creationId xmlns:a16="http://schemas.microsoft.com/office/drawing/2014/main" id="{69DDC218-E683-3B7D-14A8-4FB4148ED9EC}"/>
+                <a16:creationId xmlns:a16="http://schemas.microsoft.com/office/drawing/2014/main" id="{47C4843F-4403-366E-CB67-56BB2B85EACD}"/>
               </a:ext>
             </a:extLst>
           </p:cNvPr>
@@ -377,7 +377,7 @@
           <p:cNvPr id="3" name="竖排文字占位符 2">
             <a:extLst>
               <a:ext uri="{FF2B5EF4-FFF2-40B4-BE49-F238E27FC236}">
-                <a16:creationId xmlns:a16="http://schemas.microsoft.com/office/drawing/2014/main" id="{73BB47E9-26E0-1003-D32E-AA96FD4742ED}"/>
+                <a16:creationId xmlns:a16="http://schemas.microsoft.com/office/drawing/2014/main" id="{E4A04911-6C0E-5CB8-A471-EE4A9650636D}"/>
               </a:ext>
             </a:extLst>
           </p:cNvPr>
@@ -434,7 +434,7 @@
           <p:cNvPr id="4" name="日期占位符 3">
             <a:extLst>
               <a:ext uri="{FF2B5EF4-FFF2-40B4-BE49-F238E27FC236}">
-                <a16:creationId xmlns:a16="http://schemas.microsoft.com/office/drawing/2014/main" id="{2E985761-C5BA-DF3F-5A92-6FDBE495237B}"/>
+                <a16:creationId xmlns:a16="http://schemas.microsoft.com/office/drawing/2014/main" id="{C21B5C1A-8DCD-E986-59E9-C6B9E673F9F8}"/>
               </a:ext>
             </a:extLst>
           </p:cNvPr>
@@ -450,7 +450,7 @@
           <a:bodyPr/>
           <a:lstStyle/>
           <a:p>
-            <a:fld id="{9B43F56C-6BFF-4BF9-ADDD-27D6A594C029}" type="datetimeFigureOut">
+            <a:fld id="{DAA4AC57-EC32-43BA-BF59-EB7AB5B2CA4B}" type="datetimeFigureOut">
               <a:rPr lang="zh-CN" altLang="en-US" smtClean="0"/>
               <a:t>2024/3/10</a:t>
             </a:fld>
@@ -463,7 +463,7 @@
           <p:cNvPr id="5" name="页脚占位符 4">
             <a:extLst>
               <a:ext uri="{FF2B5EF4-FFF2-40B4-BE49-F238E27FC236}">
-                <a16:creationId xmlns:a16="http://schemas.microsoft.com/office/drawing/2014/main" id="{388E3883-10DD-B65B-532C-E9DE7540A6FD}"/>
+                <a16:creationId xmlns:a16="http://schemas.microsoft.com/office/drawing/2014/main" id="{75CFADF4-1A66-2E9A-4CDA-64E94C1BB72F}"/>
               </a:ext>
             </a:extLst>
           </p:cNvPr>
@@ -488,7 +488,7 @@
           <p:cNvPr id="6" name="灯片编号占位符 5">
             <a:extLst>
               <a:ext uri="{FF2B5EF4-FFF2-40B4-BE49-F238E27FC236}">
-                <a16:creationId xmlns:a16="http://schemas.microsoft.com/office/drawing/2014/main" id="{2F046DE5-7D27-C5DB-4C00-CA1BD6048249}"/>
+                <a16:creationId xmlns:a16="http://schemas.microsoft.com/office/drawing/2014/main" id="{A4DE38BE-1E12-A369-FE9D-BB862E949D3F}"/>
               </a:ext>
             </a:extLst>
           </p:cNvPr>
@@ -504,7 +504,7 @@
           <a:bodyPr/>
           <a:lstStyle/>
           <a:p>
-            <a:fld id="{4B8BF2CE-0E1C-4F41-95FA-417A09952769}" type="slidenum">
+            <a:fld id="{08ACB8F0-A99F-4760-99FE-C8CDEDC46349}" type="slidenum">
               <a:rPr lang="zh-CN" altLang="en-US" smtClean="0"/>
               <a:t>‹#›</a:t>
             </a:fld>
@@ -515,7 +515,7 @@
     </p:spTree>
     <p:extLst>
       <p:ext uri="{BB962C8B-B14F-4D97-AF65-F5344CB8AC3E}">
-        <p14:creationId xmlns:p14="http://schemas.microsoft.com/office/powerpoint/2010/main" val="4036054393"/>
+        <p14:creationId xmlns:p14="http://schemas.microsoft.com/office/powerpoint/2010/main" val="2902067729"/>
       </p:ext>
     </p:extLst>
   </p:cSld>
@@ -547,7 +547,7 @@
           <p:cNvPr id="2" name="竖排标题 1">
             <a:extLst>
               <a:ext uri="{FF2B5EF4-FFF2-40B4-BE49-F238E27FC236}">
-                <a16:creationId xmlns:a16="http://schemas.microsoft.com/office/drawing/2014/main" id="{6C253116-3454-1DC1-72B0-8026B24AEF79}"/>
+                <a16:creationId xmlns:a16="http://schemas.microsoft.com/office/drawing/2014/main" id="{12899710-0CE4-03B7-4A6F-2AB2D1D6892F}"/>
               </a:ext>
             </a:extLst>
           </p:cNvPr>
@@ -580,7 +580,7 @@
           <p:cNvPr id="3" name="竖排文字占位符 2">
             <a:extLst>
               <a:ext uri="{FF2B5EF4-FFF2-40B4-BE49-F238E27FC236}">
-                <a16:creationId xmlns:a16="http://schemas.microsoft.com/office/drawing/2014/main" id="{6BA37198-98D7-2A2D-CEEE-FCBAC24EFDAE}"/>
+                <a16:creationId xmlns:a16="http://schemas.microsoft.com/office/drawing/2014/main" id="{D1F89763-8B64-0217-21C4-0C25F63C59BF}"/>
               </a:ext>
             </a:extLst>
           </p:cNvPr>
@@ -642,7 +642,7 @@
           <p:cNvPr id="4" name="日期占位符 3">
             <a:extLst>
               <a:ext uri="{FF2B5EF4-FFF2-40B4-BE49-F238E27FC236}">
-                <a16:creationId xmlns:a16="http://schemas.microsoft.com/office/drawing/2014/main" id="{E9ED01B0-D688-76B2-5BCB-28C10009BEC2}"/>
+                <a16:creationId xmlns:a16="http://schemas.microsoft.com/office/drawing/2014/main" id="{EF59F200-0398-DA30-1189-517A8A32E09A}"/>
               </a:ext>
             </a:extLst>
           </p:cNvPr>
@@ -658,7 +658,7 @@
           <a:bodyPr/>
           <a:lstStyle/>
           <a:p>
-            <a:fld id="{9B43F56C-6BFF-4BF9-ADDD-27D6A594C029}" type="datetimeFigureOut">
+            <a:fld id="{DAA4AC57-EC32-43BA-BF59-EB7AB5B2CA4B}" type="datetimeFigureOut">
               <a:rPr lang="zh-CN" altLang="en-US" smtClean="0"/>
               <a:t>2024/3/10</a:t>
             </a:fld>
@@ -671,7 +671,7 @@
           <p:cNvPr id="5" name="页脚占位符 4">
             <a:extLst>
               <a:ext uri="{FF2B5EF4-FFF2-40B4-BE49-F238E27FC236}">
-                <a16:creationId xmlns:a16="http://schemas.microsoft.com/office/drawing/2014/main" id="{F0B773C2-E11C-7B83-A4CB-572E637262DC}"/>
+                <a16:creationId xmlns:a16="http://schemas.microsoft.com/office/drawing/2014/main" id="{6C7ED1EA-C055-4B34-473F-542BD7739CD3}"/>
               </a:ext>
             </a:extLst>
           </p:cNvPr>
@@ -696,7 +696,7 @@
           <p:cNvPr id="6" name="灯片编号占位符 5">
             <a:extLst>
               <a:ext uri="{FF2B5EF4-FFF2-40B4-BE49-F238E27FC236}">
-                <a16:creationId xmlns:a16="http://schemas.microsoft.com/office/drawing/2014/main" id="{1679F5E2-417F-9408-6780-5A6554DFBB5E}"/>
+                <a16:creationId xmlns:a16="http://schemas.microsoft.com/office/drawing/2014/main" id="{3C6FA181-6F96-7978-5EB1-5BE8949C81A1}"/>
               </a:ext>
             </a:extLst>
           </p:cNvPr>
@@ -712,7 +712,7 @@
           <a:bodyPr/>
           <a:lstStyle/>
           <a:p>
-            <a:fld id="{4B8BF2CE-0E1C-4F41-95FA-417A09952769}" type="slidenum">
+            <a:fld id="{08ACB8F0-A99F-4760-99FE-C8CDEDC46349}" type="slidenum">
               <a:rPr lang="zh-CN" altLang="en-US" smtClean="0"/>
               <a:t>‹#›</a:t>
             </a:fld>
@@ -723,7 +723,7 @@
     </p:spTree>
     <p:extLst>
       <p:ext uri="{BB962C8B-B14F-4D97-AF65-F5344CB8AC3E}">
-        <p14:creationId xmlns:p14="http://schemas.microsoft.com/office/powerpoint/2010/main" val="2471923078"/>
+        <p14:creationId xmlns:p14="http://schemas.microsoft.com/office/powerpoint/2010/main" val="3045297660"/>
       </p:ext>
     </p:extLst>
   </p:cSld>
@@ -755,7 +755,7 @@
           <p:cNvPr id="2" name="标题 1">
             <a:extLst>
               <a:ext uri="{FF2B5EF4-FFF2-40B4-BE49-F238E27FC236}">
-                <a16:creationId xmlns:a16="http://schemas.microsoft.com/office/drawing/2014/main" id="{5B50ABE3-FB18-3D6E-D992-82D51BFABF1B}"/>
+                <a16:creationId xmlns:a16="http://schemas.microsoft.com/office/drawing/2014/main" id="{8CBACEEC-6B75-9369-9030-E6BEED5B7A7A}"/>
               </a:ext>
             </a:extLst>
           </p:cNvPr>
@@ -783,7 +783,7 @@
           <p:cNvPr id="3" name="内容占位符 2">
             <a:extLst>
               <a:ext uri="{FF2B5EF4-FFF2-40B4-BE49-F238E27FC236}">
-                <a16:creationId xmlns:a16="http://schemas.microsoft.com/office/drawing/2014/main" id="{024C64F7-2C9A-CCD4-C4DA-D26308AEE89A}"/>
+                <a16:creationId xmlns:a16="http://schemas.microsoft.com/office/drawing/2014/main" id="{7A92B063-F695-3AAA-7D86-245776F04BF0}"/>
               </a:ext>
             </a:extLst>
           </p:cNvPr>
@@ -840,7 +840,7 @@
           <p:cNvPr id="4" name="日期占位符 3">
             <a:extLst>
               <a:ext uri="{FF2B5EF4-FFF2-40B4-BE49-F238E27FC236}">
-                <a16:creationId xmlns:a16="http://schemas.microsoft.com/office/drawing/2014/main" id="{2FD38E45-9917-AB4F-3492-AFABB6B4A9ED}"/>
+                <a16:creationId xmlns:a16="http://schemas.microsoft.com/office/drawing/2014/main" id="{6BD9E7EC-16F9-82E6-DF7A-B80649993D41}"/>
               </a:ext>
             </a:extLst>
           </p:cNvPr>
@@ -856,7 +856,7 @@
           <a:bodyPr/>
           <a:lstStyle/>
           <a:p>
-            <a:fld id="{9B43F56C-6BFF-4BF9-ADDD-27D6A594C029}" type="datetimeFigureOut">
+            <a:fld id="{DAA4AC57-EC32-43BA-BF59-EB7AB5B2CA4B}" type="datetimeFigureOut">
               <a:rPr lang="zh-CN" altLang="en-US" smtClean="0"/>
               <a:t>2024/3/10</a:t>
             </a:fld>
@@ -869,7 +869,7 @@
           <p:cNvPr id="5" name="页脚占位符 4">
             <a:extLst>
               <a:ext uri="{FF2B5EF4-FFF2-40B4-BE49-F238E27FC236}">
-                <a16:creationId xmlns:a16="http://schemas.microsoft.com/office/drawing/2014/main" id="{9B5970E8-F0F5-79C3-4793-F6293864290A}"/>
+                <a16:creationId xmlns:a16="http://schemas.microsoft.com/office/drawing/2014/main" id="{FE3B2FF4-594E-2A4E-A96B-31ADA47A1163}"/>
               </a:ext>
             </a:extLst>
           </p:cNvPr>
@@ -894,7 +894,7 @@
           <p:cNvPr id="6" name="灯片编号占位符 5">
             <a:extLst>
               <a:ext uri="{FF2B5EF4-FFF2-40B4-BE49-F238E27FC236}">
-                <a16:creationId xmlns:a16="http://schemas.microsoft.com/office/drawing/2014/main" id="{2EA9FA2D-202C-4E96-B7C7-26062C9BCF84}"/>
+                <a16:creationId xmlns:a16="http://schemas.microsoft.com/office/drawing/2014/main" id="{23D17059-2316-11B4-6F91-A51C01C899C3}"/>
               </a:ext>
             </a:extLst>
           </p:cNvPr>
@@ -910,7 +910,7 @@
           <a:bodyPr/>
           <a:lstStyle/>
           <a:p>
-            <a:fld id="{4B8BF2CE-0E1C-4F41-95FA-417A09952769}" type="slidenum">
+            <a:fld id="{08ACB8F0-A99F-4760-99FE-C8CDEDC46349}" type="slidenum">
               <a:rPr lang="zh-CN" altLang="en-US" smtClean="0"/>
               <a:t>‹#›</a:t>
             </a:fld>
@@ -921,7 +921,7 @@
     </p:spTree>
     <p:extLst>
       <p:ext uri="{BB962C8B-B14F-4D97-AF65-F5344CB8AC3E}">
-        <p14:creationId xmlns:p14="http://schemas.microsoft.com/office/powerpoint/2010/main" val="228183643"/>
+        <p14:creationId xmlns:p14="http://schemas.microsoft.com/office/powerpoint/2010/main" val="2602783627"/>
       </p:ext>
     </p:extLst>
   </p:cSld>
@@ -953,7 +953,7 @@
           <p:cNvPr id="2" name="标题 1">
             <a:extLst>
               <a:ext uri="{FF2B5EF4-FFF2-40B4-BE49-F238E27FC236}">
-                <a16:creationId xmlns:a16="http://schemas.microsoft.com/office/drawing/2014/main" id="{C04AB88C-86E1-346C-CCCB-B60253887811}"/>
+                <a16:creationId xmlns:a16="http://schemas.microsoft.com/office/drawing/2014/main" id="{B19D7DDD-EB34-DC6E-A8B8-2AE18E0618D1}"/>
               </a:ext>
             </a:extLst>
           </p:cNvPr>
@@ -990,7 +990,7 @@
           <p:cNvPr id="3" name="文本占位符 2">
             <a:extLst>
               <a:ext uri="{FF2B5EF4-FFF2-40B4-BE49-F238E27FC236}">
-                <a16:creationId xmlns:a16="http://schemas.microsoft.com/office/drawing/2014/main" id="{46BABE1E-A1D4-FBBF-76EF-7BF20CC45E08}"/>
+                <a16:creationId xmlns:a16="http://schemas.microsoft.com/office/drawing/2014/main" id="{EF0461F1-4B91-28AE-1D8B-CB8DA676BB49}"/>
               </a:ext>
             </a:extLst>
           </p:cNvPr>
@@ -1115,7 +1115,7 @@
           <p:cNvPr id="4" name="日期占位符 3">
             <a:extLst>
               <a:ext uri="{FF2B5EF4-FFF2-40B4-BE49-F238E27FC236}">
-                <a16:creationId xmlns:a16="http://schemas.microsoft.com/office/drawing/2014/main" id="{CE56CE14-7CF0-B6D4-388B-D262E3AF4A8E}"/>
+                <a16:creationId xmlns:a16="http://schemas.microsoft.com/office/drawing/2014/main" id="{B4BCCB4F-B052-B764-09A0-B048437C1985}"/>
               </a:ext>
             </a:extLst>
           </p:cNvPr>
@@ -1131,7 +1131,7 @@
           <a:bodyPr/>
           <a:lstStyle/>
           <a:p>
-            <a:fld id="{9B43F56C-6BFF-4BF9-ADDD-27D6A594C029}" type="datetimeFigureOut">
+            <a:fld id="{DAA4AC57-EC32-43BA-BF59-EB7AB5B2CA4B}" type="datetimeFigureOut">
               <a:rPr lang="zh-CN" altLang="en-US" smtClean="0"/>
               <a:t>2024/3/10</a:t>
             </a:fld>
@@ -1144,7 +1144,7 @@
           <p:cNvPr id="5" name="页脚占位符 4">
             <a:extLst>
               <a:ext uri="{FF2B5EF4-FFF2-40B4-BE49-F238E27FC236}">
-                <a16:creationId xmlns:a16="http://schemas.microsoft.com/office/drawing/2014/main" id="{CAE245D0-F34B-92A8-1B4D-1CF8AD6ACD10}"/>
+                <a16:creationId xmlns:a16="http://schemas.microsoft.com/office/drawing/2014/main" id="{3CE07D2A-F37C-92DB-A3AD-24756CDF4FF7}"/>
               </a:ext>
             </a:extLst>
           </p:cNvPr>
@@ -1169,7 +1169,7 @@
           <p:cNvPr id="6" name="灯片编号占位符 5">
             <a:extLst>
               <a:ext uri="{FF2B5EF4-FFF2-40B4-BE49-F238E27FC236}">
-                <a16:creationId xmlns:a16="http://schemas.microsoft.com/office/drawing/2014/main" id="{E47C04C0-528F-EB1B-19A3-E541B9C73105}"/>
+                <a16:creationId xmlns:a16="http://schemas.microsoft.com/office/drawing/2014/main" id="{BBBC91C5-8C60-B6F7-E2D3-9BE18C383FD6}"/>
               </a:ext>
             </a:extLst>
           </p:cNvPr>
@@ -1185,7 +1185,7 @@
           <a:bodyPr/>
           <a:lstStyle/>
           <a:p>
-            <a:fld id="{4B8BF2CE-0E1C-4F41-95FA-417A09952769}" type="slidenum">
+            <a:fld id="{08ACB8F0-A99F-4760-99FE-C8CDEDC46349}" type="slidenum">
               <a:rPr lang="zh-CN" altLang="en-US" smtClean="0"/>
               <a:t>‹#›</a:t>
             </a:fld>
@@ -1196,7 +1196,7 @@
     </p:spTree>
     <p:extLst>
       <p:ext uri="{BB962C8B-B14F-4D97-AF65-F5344CB8AC3E}">
-        <p14:creationId xmlns:p14="http://schemas.microsoft.com/office/powerpoint/2010/main" val="3865137167"/>
+        <p14:creationId xmlns:p14="http://schemas.microsoft.com/office/powerpoint/2010/main" val="3270911592"/>
       </p:ext>
     </p:extLst>
   </p:cSld>
@@ -1228,7 +1228,7 @@
           <p:cNvPr id="2" name="标题 1">
             <a:extLst>
               <a:ext uri="{FF2B5EF4-FFF2-40B4-BE49-F238E27FC236}">
-                <a16:creationId xmlns:a16="http://schemas.microsoft.com/office/drawing/2014/main" id="{B2F5227A-C02C-8DFC-A030-E43F60DD2ED9}"/>
+                <a16:creationId xmlns:a16="http://schemas.microsoft.com/office/drawing/2014/main" id="{49A6A9D4-821C-1D84-E3C7-C12D994C5AF7}"/>
               </a:ext>
             </a:extLst>
           </p:cNvPr>
@@ -1256,7 +1256,7 @@
           <p:cNvPr id="3" name="内容占位符 2">
             <a:extLst>
               <a:ext uri="{FF2B5EF4-FFF2-40B4-BE49-F238E27FC236}">
-                <a16:creationId xmlns:a16="http://schemas.microsoft.com/office/drawing/2014/main" id="{8F9FCFE2-B159-DE61-47BF-B544C6D7A52F}"/>
+                <a16:creationId xmlns:a16="http://schemas.microsoft.com/office/drawing/2014/main" id="{6D967535-F0A6-53FA-B40E-621A5758E8A8}"/>
               </a:ext>
             </a:extLst>
           </p:cNvPr>
@@ -1318,7 +1318,7 @@
           <p:cNvPr id="4" name="内容占位符 3">
             <a:extLst>
               <a:ext uri="{FF2B5EF4-FFF2-40B4-BE49-F238E27FC236}">
-                <a16:creationId xmlns:a16="http://schemas.microsoft.com/office/drawing/2014/main" id="{C16E153B-35A2-3513-6DB8-0C06A21A9186}"/>
+                <a16:creationId xmlns:a16="http://schemas.microsoft.com/office/drawing/2014/main" id="{2244F62E-0834-10C8-86C5-49AC7F13657F}"/>
               </a:ext>
             </a:extLst>
           </p:cNvPr>
@@ -1380,7 +1380,7 @@
           <p:cNvPr id="5" name="日期占位符 4">
             <a:extLst>
               <a:ext uri="{FF2B5EF4-FFF2-40B4-BE49-F238E27FC236}">
-                <a16:creationId xmlns:a16="http://schemas.microsoft.com/office/drawing/2014/main" id="{0DA1C709-C91C-3BF6-846D-4827C9B9E930}"/>
+                <a16:creationId xmlns:a16="http://schemas.microsoft.com/office/drawing/2014/main" id="{D6532C99-05BD-D398-115E-42B942D09B29}"/>
               </a:ext>
             </a:extLst>
           </p:cNvPr>
@@ -1396,7 +1396,7 @@
           <a:bodyPr/>
           <a:lstStyle/>
           <a:p>
-            <a:fld id="{9B43F56C-6BFF-4BF9-ADDD-27D6A594C029}" type="datetimeFigureOut">
+            <a:fld id="{DAA4AC57-EC32-43BA-BF59-EB7AB5B2CA4B}" type="datetimeFigureOut">
               <a:rPr lang="zh-CN" altLang="en-US" smtClean="0"/>
               <a:t>2024/3/10</a:t>
             </a:fld>
@@ -1409,7 +1409,7 @@
           <p:cNvPr id="6" name="页脚占位符 5">
             <a:extLst>
               <a:ext uri="{FF2B5EF4-FFF2-40B4-BE49-F238E27FC236}">
-                <a16:creationId xmlns:a16="http://schemas.microsoft.com/office/drawing/2014/main" id="{0C9650CD-22B4-3716-0667-67226041C8A7}"/>
+                <a16:creationId xmlns:a16="http://schemas.microsoft.com/office/drawing/2014/main" id="{FE86CB35-A0A3-2C5F-D4FF-98573CC136E4}"/>
               </a:ext>
             </a:extLst>
           </p:cNvPr>
@@ -1434,7 +1434,7 @@
           <p:cNvPr id="7" name="灯片编号占位符 6">
             <a:extLst>
               <a:ext uri="{FF2B5EF4-FFF2-40B4-BE49-F238E27FC236}">
-                <a16:creationId xmlns:a16="http://schemas.microsoft.com/office/drawing/2014/main" id="{5C52C08B-A61B-B3D1-6FA7-36D9CF32441E}"/>
+                <a16:creationId xmlns:a16="http://schemas.microsoft.com/office/drawing/2014/main" id="{26271A9A-45B7-F686-6CCB-EE0D185E7B01}"/>
               </a:ext>
             </a:extLst>
           </p:cNvPr>
@@ -1450,7 +1450,7 @@
           <a:bodyPr/>
           <a:lstStyle/>
           <a:p>
-            <a:fld id="{4B8BF2CE-0E1C-4F41-95FA-417A09952769}" type="slidenum">
+            <a:fld id="{08ACB8F0-A99F-4760-99FE-C8CDEDC46349}" type="slidenum">
               <a:rPr lang="zh-CN" altLang="en-US" smtClean="0"/>
               <a:t>‹#›</a:t>
             </a:fld>
@@ -1461,7 +1461,7 @@
     </p:spTree>
     <p:extLst>
       <p:ext uri="{BB962C8B-B14F-4D97-AF65-F5344CB8AC3E}">
-        <p14:creationId xmlns:p14="http://schemas.microsoft.com/office/powerpoint/2010/main" val="1142871851"/>
+        <p14:creationId xmlns:p14="http://schemas.microsoft.com/office/powerpoint/2010/main" val="2818498742"/>
       </p:ext>
     </p:extLst>
   </p:cSld>
@@ -1493,7 +1493,7 @@
           <p:cNvPr id="2" name="标题 1">
             <a:extLst>
               <a:ext uri="{FF2B5EF4-FFF2-40B4-BE49-F238E27FC236}">
-                <a16:creationId xmlns:a16="http://schemas.microsoft.com/office/drawing/2014/main" id="{92EE2696-A10E-B926-056F-8A2334F60672}"/>
+                <a16:creationId xmlns:a16="http://schemas.microsoft.com/office/drawing/2014/main" id="{90BB0825-B72B-86FE-47B0-99C92E459BA5}"/>
               </a:ext>
             </a:extLst>
           </p:cNvPr>
@@ -1526,7 +1526,7 @@
           <p:cNvPr id="3" name="文本占位符 2">
             <a:extLst>
               <a:ext uri="{FF2B5EF4-FFF2-40B4-BE49-F238E27FC236}">
-                <a16:creationId xmlns:a16="http://schemas.microsoft.com/office/drawing/2014/main" id="{22C56BE2-7C9E-4713-340B-B0AB8262FB81}"/>
+                <a16:creationId xmlns:a16="http://schemas.microsoft.com/office/drawing/2014/main" id="{D433BC61-B795-3F4A-A744-45DF8F4441A9}"/>
               </a:ext>
             </a:extLst>
           </p:cNvPr>
@@ -1597,7 +1597,7 @@
           <p:cNvPr id="4" name="内容占位符 3">
             <a:extLst>
               <a:ext uri="{FF2B5EF4-FFF2-40B4-BE49-F238E27FC236}">
-                <a16:creationId xmlns:a16="http://schemas.microsoft.com/office/drawing/2014/main" id="{5C7F765F-21E7-0592-B02E-CB81C1252445}"/>
+                <a16:creationId xmlns:a16="http://schemas.microsoft.com/office/drawing/2014/main" id="{CE57621B-1C7E-ED55-DCDE-51D08B897801}"/>
               </a:ext>
             </a:extLst>
           </p:cNvPr>
@@ -1659,7 +1659,7 @@
           <p:cNvPr id="5" name="文本占位符 4">
             <a:extLst>
               <a:ext uri="{FF2B5EF4-FFF2-40B4-BE49-F238E27FC236}">
-                <a16:creationId xmlns:a16="http://schemas.microsoft.com/office/drawing/2014/main" id="{6C72CAF7-D0E6-E8BC-7B21-BDE4258AABB4}"/>
+                <a16:creationId xmlns:a16="http://schemas.microsoft.com/office/drawing/2014/main" id="{8610783B-1F14-69FC-93F4-577F684BADB9}"/>
               </a:ext>
             </a:extLst>
           </p:cNvPr>
@@ -1730,7 +1730,7 @@
           <p:cNvPr id="6" name="内容占位符 5">
             <a:extLst>
               <a:ext uri="{FF2B5EF4-FFF2-40B4-BE49-F238E27FC236}">
-                <a16:creationId xmlns:a16="http://schemas.microsoft.com/office/drawing/2014/main" id="{27A0E72E-50B7-0C86-803A-0E45D7ACBC97}"/>
+                <a16:creationId xmlns:a16="http://schemas.microsoft.com/office/drawing/2014/main" id="{1BDF9093-A725-17A5-F0B8-195420E28140}"/>
               </a:ext>
             </a:extLst>
           </p:cNvPr>
@@ -1792,7 +1792,7 @@
           <p:cNvPr id="7" name="日期占位符 6">
             <a:extLst>
               <a:ext uri="{FF2B5EF4-FFF2-40B4-BE49-F238E27FC236}">
-                <a16:creationId xmlns:a16="http://schemas.microsoft.com/office/drawing/2014/main" id="{6E306BD9-E1AA-1588-9237-5FBC189C3C5E}"/>
+                <a16:creationId xmlns:a16="http://schemas.microsoft.com/office/drawing/2014/main" id="{438E0995-EB2E-59E1-B1D4-79B6DCFE3A63}"/>
               </a:ext>
             </a:extLst>
           </p:cNvPr>
@@ -1808,7 +1808,7 @@
           <a:bodyPr/>
           <a:lstStyle/>
           <a:p>
-            <a:fld id="{9B43F56C-6BFF-4BF9-ADDD-27D6A594C029}" type="datetimeFigureOut">
+            <a:fld id="{DAA4AC57-EC32-43BA-BF59-EB7AB5B2CA4B}" type="datetimeFigureOut">
               <a:rPr lang="zh-CN" altLang="en-US" smtClean="0"/>
               <a:t>2024/3/10</a:t>
             </a:fld>
@@ -1821,7 +1821,7 @@
           <p:cNvPr id="8" name="页脚占位符 7">
             <a:extLst>
               <a:ext uri="{FF2B5EF4-FFF2-40B4-BE49-F238E27FC236}">
-                <a16:creationId xmlns:a16="http://schemas.microsoft.com/office/drawing/2014/main" id="{0C035432-7FCE-6A26-6295-253328C06B1D}"/>
+                <a16:creationId xmlns:a16="http://schemas.microsoft.com/office/drawing/2014/main" id="{C2FE793F-0B87-8345-775E-8ADBD06CA716}"/>
               </a:ext>
             </a:extLst>
           </p:cNvPr>
@@ -1846,7 +1846,7 @@
           <p:cNvPr id="9" name="灯片编号占位符 8">
             <a:extLst>
               <a:ext uri="{FF2B5EF4-FFF2-40B4-BE49-F238E27FC236}">
-                <a16:creationId xmlns:a16="http://schemas.microsoft.com/office/drawing/2014/main" id="{8A204373-B6AF-3921-E1AE-E4B9EF6FFA49}"/>
+                <a16:creationId xmlns:a16="http://schemas.microsoft.com/office/drawing/2014/main" id="{54FEA700-3C68-8ACE-38D1-3931B9F1CE50}"/>
               </a:ext>
             </a:extLst>
           </p:cNvPr>
@@ -1862,7 +1862,7 @@
           <a:bodyPr/>
           <a:lstStyle/>
           <a:p>
-            <a:fld id="{4B8BF2CE-0E1C-4F41-95FA-417A09952769}" type="slidenum">
+            <a:fld id="{08ACB8F0-A99F-4760-99FE-C8CDEDC46349}" type="slidenum">
               <a:rPr lang="zh-CN" altLang="en-US" smtClean="0"/>
               <a:t>‹#›</a:t>
             </a:fld>
@@ -1873,7 +1873,7 @@
     </p:spTree>
     <p:extLst>
       <p:ext uri="{BB962C8B-B14F-4D97-AF65-F5344CB8AC3E}">
-        <p14:creationId xmlns:p14="http://schemas.microsoft.com/office/powerpoint/2010/main" val="3843605070"/>
+        <p14:creationId xmlns:p14="http://schemas.microsoft.com/office/powerpoint/2010/main" val="1158649274"/>
       </p:ext>
     </p:extLst>
   </p:cSld>
@@ -1905,7 +1905,7 @@
           <p:cNvPr id="2" name="标题 1">
             <a:extLst>
               <a:ext uri="{FF2B5EF4-FFF2-40B4-BE49-F238E27FC236}">
-                <a16:creationId xmlns:a16="http://schemas.microsoft.com/office/drawing/2014/main" id="{F3AF4D31-2A08-A26D-6C70-BD50AF2F48BF}"/>
+                <a16:creationId xmlns:a16="http://schemas.microsoft.com/office/drawing/2014/main" id="{FB7DD800-8792-AB8C-3F3E-18C41DD54FB0}"/>
               </a:ext>
             </a:extLst>
           </p:cNvPr>
@@ -1933,7 +1933,7 @@
           <p:cNvPr id="3" name="日期占位符 2">
             <a:extLst>
               <a:ext uri="{FF2B5EF4-FFF2-40B4-BE49-F238E27FC236}">
-                <a16:creationId xmlns:a16="http://schemas.microsoft.com/office/drawing/2014/main" id="{E6B703DC-78FA-811D-4932-DB2BD198829C}"/>
+                <a16:creationId xmlns:a16="http://schemas.microsoft.com/office/drawing/2014/main" id="{8B56961F-1986-FE62-A786-8270E591F21D}"/>
               </a:ext>
             </a:extLst>
           </p:cNvPr>
@@ -1949,7 +1949,7 @@
           <a:bodyPr/>
           <a:lstStyle/>
           <a:p>
-            <a:fld id="{9B43F56C-6BFF-4BF9-ADDD-27D6A594C029}" type="datetimeFigureOut">
+            <a:fld id="{DAA4AC57-EC32-43BA-BF59-EB7AB5B2CA4B}" type="datetimeFigureOut">
               <a:rPr lang="zh-CN" altLang="en-US" smtClean="0"/>
               <a:t>2024/3/10</a:t>
             </a:fld>
@@ -1962,7 +1962,7 @@
           <p:cNvPr id="4" name="页脚占位符 3">
             <a:extLst>
               <a:ext uri="{FF2B5EF4-FFF2-40B4-BE49-F238E27FC236}">
-                <a16:creationId xmlns:a16="http://schemas.microsoft.com/office/drawing/2014/main" id="{4681677F-4B3C-FB0A-9F1D-8D5D41D08358}"/>
+                <a16:creationId xmlns:a16="http://schemas.microsoft.com/office/drawing/2014/main" id="{31D6ED4A-D39D-514E-4A5D-95CA21C45EC0}"/>
               </a:ext>
             </a:extLst>
           </p:cNvPr>
@@ -1987,7 +1987,7 @@
           <p:cNvPr id="5" name="灯片编号占位符 4">
             <a:extLst>
               <a:ext uri="{FF2B5EF4-FFF2-40B4-BE49-F238E27FC236}">
-                <a16:creationId xmlns:a16="http://schemas.microsoft.com/office/drawing/2014/main" id="{C3692A3A-2413-6899-F5D8-904C5D025588}"/>
+                <a16:creationId xmlns:a16="http://schemas.microsoft.com/office/drawing/2014/main" id="{4059ECD7-9F71-6D1C-87E3-6C293AB4AC99}"/>
               </a:ext>
             </a:extLst>
           </p:cNvPr>
@@ -2003,7 +2003,7 @@
           <a:bodyPr/>
           <a:lstStyle/>
           <a:p>
-            <a:fld id="{4B8BF2CE-0E1C-4F41-95FA-417A09952769}" type="slidenum">
+            <a:fld id="{08ACB8F0-A99F-4760-99FE-C8CDEDC46349}" type="slidenum">
               <a:rPr lang="zh-CN" altLang="en-US" smtClean="0"/>
               <a:t>‹#›</a:t>
             </a:fld>
@@ -2014,7 +2014,7 @@
     </p:spTree>
     <p:extLst>
       <p:ext uri="{BB962C8B-B14F-4D97-AF65-F5344CB8AC3E}">
-        <p14:creationId xmlns:p14="http://schemas.microsoft.com/office/powerpoint/2010/main" val="37035806"/>
+        <p14:creationId xmlns:p14="http://schemas.microsoft.com/office/powerpoint/2010/main" val="1779474508"/>
       </p:ext>
     </p:extLst>
   </p:cSld>
@@ -2046,7 +2046,7 @@
           <p:cNvPr id="2" name="日期占位符 1">
             <a:extLst>
               <a:ext uri="{FF2B5EF4-FFF2-40B4-BE49-F238E27FC236}">
-                <a16:creationId xmlns:a16="http://schemas.microsoft.com/office/drawing/2014/main" id="{23B023F0-412C-92F2-EE17-DF6CF8D684A9}"/>
+                <a16:creationId xmlns:a16="http://schemas.microsoft.com/office/drawing/2014/main" id="{3DB147A0-2F90-6DE3-7D15-B744CA5C30AE}"/>
               </a:ext>
             </a:extLst>
           </p:cNvPr>
@@ -2062,7 +2062,7 @@
           <a:bodyPr/>
           <a:lstStyle/>
           <a:p>
-            <a:fld id="{9B43F56C-6BFF-4BF9-ADDD-27D6A594C029}" type="datetimeFigureOut">
+            <a:fld id="{DAA4AC57-EC32-43BA-BF59-EB7AB5B2CA4B}" type="datetimeFigureOut">
               <a:rPr lang="zh-CN" altLang="en-US" smtClean="0"/>
               <a:t>2024/3/10</a:t>
             </a:fld>
@@ -2075,7 +2075,7 @@
           <p:cNvPr id="3" name="页脚占位符 2">
             <a:extLst>
               <a:ext uri="{FF2B5EF4-FFF2-40B4-BE49-F238E27FC236}">
-                <a16:creationId xmlns:a16="http://schemas.microsoft.com/office/drawing/2014/main" id="{01B85773-22BA-BB39-7A1B-F3BB4E0E75A0}"/>
+                <a16:creationId xmlns:a16="http://schemas.microsoft.com/office/drawing/2014/main" id="{1A957C9A-1428-4EF3-672C-9A7F6CCB77C0}"/>
               </a:ext>
             </a:extLst>
           </p:cNvPr>
@@ -2100,7 +2100,7 @@
           <p:cNvPr id="4" name="灯片编号占位符 3">
             <a:extLst>
               <a:ext uri="{FF2B5EF4-FFF2-40B4-BE49-F238E27FC236}">
-                <a16:creationId xmlns:a16="http://schemas.microsoft.com/office/drawing/2014/main" id="{D033C206-A0FC-0793-DA10-594035946438}"/>
+                <a16:creationId xmlns:a16="http://schemas.microsoft.com/office/drawing/2014/main" id="{E492A039-9D26-3709-42C9-AF2AEA2C4625}"/>
               </a:ext>
             </a:extLst>
           </p:cNvPr>
@@ -2116,7 +2116,7 @@
           <a:bodyPr/>
           <a:lstStyle/>
           <a:p>
-            <a:fld id="{4B8BF2CE-0E1C-4F41-95FA-417A09952769}" type="slidenum">
+            <a:fld id="{08ACB8F0-A99F-4760-99FE-C8CDEDC46349}" type="slidenum">
               <a:rPr lang="zh-CN" altLang="en-US" smtClean="0"/>
               <a:t>‹#›</a:t>
             </a:fld>
@@ -2127,7 +2127,7 @@
     </p:spTree>
     <p:extLst>
       <p:ext uri="{BB962C8B-B14F-4D97-AF65-F5344CB8AC3E}">
-        <p14:creationId xmlns:p14="http://schemas.microsoft.com/office/powerpoint/2010/main" val="915150004"/>
+        <p14:creationId xmlns:p14="http://schemas.microsoft.com/office/powerpoint/2010/main" val="385239149"/>
       </p:ext>
     </p:extLst>
   </p:cSld>
@@ -2159,7 +2159,7 @@
           <p:cNvPr id="2" name="标题 1">
             <a:extLst>
               <a:ext uri="{FF2B5EF4-FFF2-40B4-BE49-F238E27FC236}">
-                <a16:creationId xmlns:a16="http://schemas.microsoft.com/office/drawing/2014/main" id="{2FF5018A-C6D6-0F38-5F9A-9866FDE086DB}"/>
+                <a16:creationId xmlns:a16="http://schemas.microsoft.com/office/drawing/2014/main" id="{302E696C-BFB5-0BD7-E030-EAF52C540BEB}"/>
               </a:ext>
             </a:extLst>
           </p:cNvPr>
@@ -2196,7 +2196,7 @@
           <p:cNvPr id="3" name="内容占位符 2">
             <a:extLst>
               <a:ext uri="{FF2B5EF4-FFF2-40B4-BE49-F238E27FC236}">
-                <a16:creationId xmlns:a16="http://schemas.microsoft.com/office/drawing/2014/main" id="{C4308D55-603F-50D1-BE9F-193B5E836C3E}"/>
+                <a16:creationId xmlns:a16="http://schemas.microsoft.com/office/drawing/2014/main" id="{6C41B01E-3CC1-317B-6ECB-849F5A85A07B}"/>
               </a:ext>
             </a:extLst>
           </p:cNvPr>
@@ -2286,7 +2286,7 @@
           <p:cNvPr id="4" name="文本占位符 3">
             <a:extLst>
               <a:ext uri="{FF2B5EF4-FFF2-40B4-BE49-F238E27FC236}">
-                <a16:creationId xmlns:a16="http://schemas.microsoft.com/office/drawing/2014/main" id="{2A2FA091-F0D1-9745-BB17-3DBAA249536F}"/>
+                <a16:creationId xmlns:a16="http://schemas.microsoft.com/office/drawing/2014/main" id="{030F69C6-26E7-6C36-FF10-2436D9A895C2}"/>
               </a:ext>
             </a:extLst>
           </p:cNvPr>
@@ -2357,7 +2357,7 @@
           <p:cNvPr id="5" name="日期占位符 4">
             <a:extLst>
               <a:ext uri="{FF2B5EF4-FFF2-40B4-BE49-F238E27FC236}">
-                <a16:creationId xmlns:a16="http://schemas.microsoft.com/office/drawing/2014/main" id="{CE806ACF-92BD-DE58-38BF-18C211B0E541}"/>
+                <a16:creationId xmlns:a16="http://schemas.microsoft.com/office/drawing/2014/main" id="{9D105BE9-ACCC-6A6D-7F13-8F627C1681EC}"/>
               </a:ext>
             </a:extLst>
           </p:cNvPr>
@@ -2373,7 +2373,7 @@
           <a:bodyPr/>
           <a:lstStyle/>
           <a:p>
-            <a:fld id="{9B43F56C-6BFF-4BF9-ADDD-27D6A594C029}" type="datetimeFigureOut">
+            <a:fld id="{DAA4AC57-EC32-43BA-BF59-EB7AB5B2CA4B}" type="datetimeFigureOut">
               <a:rPr lang="zh-CN" altLang="en-US" smtClean="0"/>
               <a:t>2024/3/10</a:t>
             </a:fld>
@@ -2386,7 +2386,7 @@
           <p:cNvPr id="6" name="页脚占位符 5">
             <a:extLst>
               <a:ext uri="{FF2B5EF4-FFF2-40B4-BE49-F238E27FC236}">
-                <a16:creationId xmlns:a16="http://schemas.microsoft.com/office/drawing/2014/main" id="{40D265AA-D179-27FA-630F-F5C077CBF6D4}"/>
+                <a16:creationId xmlns:a16="http://schemas.microsoft.com/office/drawing/2014/main" id="{D476DB28-B210-1FEF-35F6-090334E77D8F}"/>
               </a:ext>
             </a:extLst>
           </p:cNvPr>
@@ -2411,7 +2411,7 @@
           <p:cNvPr id="7" name="灯片编号占位符 6">
             <a:extLst>
               <a:ext uri="{FF2B5EF4-FFF2-40B4-BE49-F238E27FC236}">
-                <a16:creationId xmlns:a16="http://schemas.microsoft.com/office/drawing/2014/main" id="{158E929E-88B8-6F8B-0D5F-E69E50EE6E4F}"/>
+                <a16:creationId xmlns:a16="http://schemas.microsoft.com/office/drawing/2014/main" id="{F730257B-5CED-45FB-8898-65146C62CFE5}"/>
               </a:ext>
             </a:extLst>
           </p:cNvPr>
@@ -2427,7 +2427,7 @@
           <a:bodyPr/>
           <a:lstStyle/>
           <a:p>
-            <a:fld id="{4B8BF2CE-0E1C-4F41-95FA-417A09952769}" type="slidenum">
+            <a:fld id="{08ACB8F0-A99F-4760-99FE-C8CDEDC46349}" type="slidenum">
               <a:rPr lang="zh-CN" altLang="en-US" smtClean="0"/>
               <a:t>‹#›</a:t>
             </a:fld>
@@ -2438,7 +2438,7 @@
     </p:spTree>
     <p:extLst>
       <p:ext uri="{BB962C8B-B14F-4D97-AF65-F5344CB8AC3E}">
-        <p14:creationId xmlns:p14="http://schemas.microsoft.com/office/powerpoint/2010/main" val="569942897"/>
+        <p14:creationId xmlns:p14="http://schemas.microsoft.com/office/powerpoint/2010/main" val="3707281090"/>
       </p:ext>
     </p:extLst>
   </p:cSld>
@@ -2470,7 +2470,7 @@
           <p:cNvPr id="2" name="标题 1">
             <a:extLst>
               <a:ext uri="{FF2B5EF4-FFF2-40B4-BE49-F238E27FC236}">
-                <a16:creationId xmlns:a16="http://schemas.microsoft.com/office/drawing/2014/main" id="{3390E687-816D-FF34-9E7A-AC8930FFA81C}"/>
+                <a16:creationId xmlns:a16="http://schemas.microsoft.com/office/drawing/2014/main" id="{15D1428F-F935-F598-18F2-181630BD2104}"/>
               </a:ext>
             </a:extLst>
           </p:cNvPr>
@@ -2507,7 +2507,7 @@
           <p:cNvPr id="3" name="图片占位符 2">
             <a:extLst>
               <a:ext uri="{FF2B5EF4-FFF2-40B4-BE49-F238E27FC236}">
-                <a16:creationId xmlns:a16="http://schemas.microsoft.com/office/drawing/2014/main" id="{E7838100-CBC8-92D0-4AB4-06C7232B89BC}"/>
+                <a16:creationId xmlns:a16="http://schemas.microsoft.com/office/drawing/2014/main" id="{85BD39F2-B943-E916-9735-4943F9C4CB98}"/>
               </a:ext>
             </a:extLst>
           </p:cNvPr>
@@ -2574,7 +2574,7 @@
           <p:cNvPr id="4" name="文本占位符 3">
             <a:extLst>
               <a:ext uri="{FF2B5EF4-FFF2-40B4-BE49-F238E27FC236}">
-                <a16:creationId xmlns:a16="http://schemas.microsoft.com/office/drawing/2014/main" id="{82B42723-2936-2DB8-E4C2-B1A7B520289A}"/>
+                <a16:creationId xmlns:a16="http://schemas.microsoft.com/office/drawing/2014/main" id="{CDB47B65-1A3D-ED5A-464B-A83C2FB71A04}"/>
               </a:ext>
             </a:extLst>
           </p:cNvPr>
@@ -2645,7 +2645,7 @@
           <p:cNvPr id="5" name="日期占位符 4">
             <a:extLst>
               <a:ext uri="{FF2B5EF4-FFF2-40B4-BE49-F238E27FC236}">
-                <a16:creationId xmlns:a16="http://schemas.microsoft.com/office/drawing/2014/main" id="{42DCC538-3C6B-6F29-3857-FA0648B0860B}"/>
+                <a16:creationId xmlns:a16="http://schemas.microsoft.com/office/drawing/2014/main" id="{14AB396B-D21E-2A80-FE06-E7DD8AB9A761}"/>
               </a:ext>
             </a:extLst>
           </p:cNvPr>
@@ -2661,7 +2661,7 @@
           <a:bodyPr/>
           <a:lstStyle/>
           <a:p>
-            <a:fld id="{9B43F56C-6BFF-4BF9-ADDD-27D6A594C029}" type="datetimeFigureOut">
+            <a:fld id="{DAA4AC57-EC32-43BA-BF59-EB7AB5B2CA4B}" type="datetimeFigureOut">
               <a:rPr lang="zh-CN" altLang="en-US" smtClean="0"/>
               <a:t>2024/3/10</a:t>
             </a:fld>
@@ -2674,7 +2674,7 @@
           <p:cNvPr id="6" name="页脚占位符 5">
             <a:extLst>
               <a:ext uri="{FF2B5EF4-FFF2-40B4-BE49-F238E27FC236}">
-                <a16:creationId xmlns:a16="http://schemas.microsoft.com/office/drawing/2014/main" id="{44ECD4B1-6BF0-F8DA-822D-04DE52037514}"/>
+                <a16:creationId xmlns:a16="http://schemas.microsoft.com/office/drawing/2014/main" id="{C1667F90-C4C6-AC3F-EE4F-ED686D56A65D}"/>
               </a:ext>
             </a:extLst>
           </p:cNvPr>
@@ -2699,7 +2699,7 @@
           <p:cNvPr id="7" name="灯片编号占位符 6">
             <a:extLst>
               <a:ext uri="{FF2B5EF4-FFF2-40B4-BE49-F238E27FC236}">
-                <a16:creationId xmlns:a16="http://schemas.microsoft.com/office/drawing/2014/main" id="{F3CA3AA7-4DB0-2236-E0B6-6D1921C4EFE9}"/>
+                <a16:creationId xmlns:a16="http://schemas.microsoft.com/office/drawing/2014/main" id="{D670D143-57F5-7D39-4267-110D120A2E56}"/>
               </a:ext>
             </a:extLst>
           </p:cNvPr>
@@ -2715,7 +2715,7 @@
           <a:bodyPr/>
           <a:lstStyle/>
           <a:p>
-            <a:fld id="{4B8BF2CE-0E1C-4F41-95FA-417A09952769}" type="slidenum">
+            <a:fld id="{08ACB8F0-A99F-4760-99FE-C8CDEDC46349}" type="slidenum">
               <a:rPr lang="zh-CN" altLang="en-US" smtClean="0"/>
               <a:t>‹#›</a:t>
             </a:fld>
@@ -2726,7 +2726,7 @@
     </p:spTree>
     <p:extLst>
       <p:ext uri="{BB962C8B-B14F-4D97-AF65-F5344CB8AC3E}">
-        <p14:creationId xmlns:p14="http://schemas.microsoft.com/office/powerpoint/2010/main" val="548184545"/>
+        <p14:creationId xmlns:p14="http://schemas.microsoft.com/office/powerpoint/2010/main" val="1133662309"/>
       </p:ext>
     </p:extLst>
   </p:cSld>
@@ -2763,7 +2763,7 @@
           <p:cNvPr id="2" name="标题占位符 1">
             <a:extLst>
               <a:ext uri="{FF2B5EF4-FFF2-40B4-BE49-F238E27FC236}">
-                <a16:creationId xmlns:a16="http://schemas.microsoft.com/office/drawing/2014/main" id="{8A0052DD-340F-99DB-0A0B-692F0821BE09}"/>
+                <a16:creationId xmlns:a16="http://schemas.microsoft.com/office/drawing/2014/main" id="{11F9B5FF-7167-A61B-723B-1F615A448C70}"/>
               </a:ext>
             </a:extLst>
           </p:cNvPr>
@@ -2801,7 +2801,7 @@
           <p:cNvPr id="3" name="文本占位符 2">
             <a:extLst>
               <a:ext uri="{FF2B5EF4-FFF2-40B4-BE49-F238E27FC236}">
-                <a16:creationId xmlns:a16="http://schemas.microsoft.com/office/drawing/2014/main" id="{E33F9C2C-72A6-69A0-1A00-358585A1FF0D}"/>
+                <a16:creationId xmlns:a16="http://schemas.microsoft.com/office/drawing/2014/main" id="{7E1BEBD5-188F-9CF0-63F8-87EA0986599A}"/>
               </a:ext>
             </a:extLst>
           </p:cNvPr>
@@ -2868,7 +2868,7 @@
           <p:cNvPr id="4" name="日期占位符 3">
             <a:extLst>
               <a:ext uri="{FF2B5EF4-FFF2-40B4-BE49-F238E27FC236}">
-                <a16:creationId xmlns:a16="http://schemas.microsoft.com/office/drawing/2014/main" id="{8BB18B7D-F3D0-1E27-F6D8-CFE92DF1309D}"/>
+                <a16:creationId xmlns:a16="http://schemas.microsoft.com/office/drawing/2014/main" id="{9470C145-D0AD-C3CE-EF68-336FCFCD4341}"/>
               </a:ext>
             </a:extLst>
           </p:cNvPr>
@@ -2902,7 +2902,7 @@
             </a:lvl1pPr>
           </a:lstStyle>
           <a:p>
-            <a:fld id="{9B43F56C-6BFF-4BF9-ADDD-27D6A594C029}" type="datetimeFigureOut">
+            <a:fld id="{DAA4AC57-EC32-43BA-BF59-EB7AB5B2CA4B}" type="datetimeFigureOut">
               <a:rPr lang="zh-CN" altLang="en-US" smtClean="0"/>
               <a:t>2024/3/10</a:t>
             </a:fld>
@@ -2915,7 +2915,7 @@
           <p:cNvPr id="5" name="页脚占位符 4">
             <a:extLst>
               <a:ext uri="{FF2B5EF4-FFF2-40B4-BE49-F238E27FC236}">
-                <a16:creationId xmlns:a16="http://schemas.microsoft.com/office/drawing/2014/main" id="{5A2A03FE-E456-09BA-046A-B2A016353F89}"/>
+                <a16:creationId xmlns:a16="http://schemas.microsoft.com/office/drawing/2014/main" id="{E26E6076-5AAC-9F74-9E10-6CD8E8E8C6B6}"/>
               </a:ext>
             </a:extLst>
           </p:cNvPr>
@@ -2958,7 +2958,7 @@
           <p:cNvPr id="6" name="灯片编号占位符 5">
             <a:extLst>
               <a:ext uri="{FF2B5EF4-FFF2-40B4-BE49-F238E27FC236}">
-                <a16:creationId xmlns:a16="http://schemas.microsoft.com/office/drawing/2014/main" id="{DA5EE5F3-25AD-F18E-D3FE-2D4686F97E95}"/>
+                <a16:creationId xmlns:a16="http://schemas.microsoft.com/office/drawing/2014/main" id="{002D08F4-2208-6CE3-EBDB-CB177EDE95A2}"/>
               </a:ext>
             </a:extLst>
           </p:cNvPr>
@@ -2992,7 +2992,7 @@
             </a:lvl1pPr>
           </a:lstStyle>
           <a:p>
-            <a:fld id="{4B8BF2CE-0E1C-4F41-95FA-417A09952769}" type="slidenum">
+            <a:fld id="{08ACB8F0-A99F-4760-99FE-C8CDEDC46349}" type="slidenum">
               <a:rPr lang="zh-CN" altLang="en-US" smtClean="0"/>
               <a:t>‹#›</a:t>
             </a:fld>
@@ -3003,7 +3003,7 @@
     </p:spTree>
     <p:extLst>
       <p:ext uri="{BB962C8B-B14F-4D97-AF65-F5344CB8AC3E}">
-        <p14:creationId xmlns:p14="http://schemas.microsoft.com/office/powerpoint/2010/main" val="3065880103"/>
+        <p14:creationId xmlns:p14="http://schemas.microsoft.com/office/powerpoint/2010/main" val="665458881"/>
       </p:ext>
     </p:extLst>
   </p:cSld>
@@ -3323,7 +3323,7 @@
       </p:grpSpPr>
       <p:pic>
         <p:nvPicPr>
-          <p:cNvPr id="1352706" name="Picture 2" descr="1320"/>
+          <p:cNvPr id="1353730" name="Picture 2" descr="1321"/>
           <p:cNvPicPr>
             <a:picLocks noChangeAspect="1" noChangeArrowheads="1"/>
           </p:cNvPicPr>
@@ -3344,8 +3344,8 @@
         </p:blipFill>
         <p:spPr bwMode="auto">
           <a:xfrm>
-            <a:off x="1524000" y="0"/>
-            <a:ext cx="9144000" cy="6858000"/>
+            <a:off x="1524000" y="14289"/>
+            <a:ext cx="9124950" cy="5862637"/>
           </a:xfrm>
           <a:prstGeom prst="rect">
             <a:avLst/>
@@ -3375,158 +3375,11 @@
           </a:extLst>
         </p:spPr>
       </p:pic>
-      <p:pic>
-        <p:nvPicPr>
-          <p:cNvPr id="1353731" name="Picture 3" descr="1320-2"/>
-          <p:cNvPicPr>
-            <a:picLocks noChangeAspect="1" noChangeArrowheads="1"/>
-          </p:cNvPicPr>
-          <p:nvPr/>
-        </p:nvPicPr>
-        <p:blipFill>
-          <a:blip r:embed="rId3">
-            <a:extLst>
-              <a:ext uri="{28A0092B-C50C-407E-A947-70E740481C1C}">
-                <a14:useLocalDpi xmlns:a14="http://schemas.microsoft.com/office/drawing/2010/main" val="0"/>
-              </a:ext>
-            </a:extLst>
-          </a:blip>
-          <a:srcRect/>
-          <a:stretch>
-            <a:fillRect/>
-          </a:stretch>
-        </p:blipFill>
-        <p:spPr bwMode="auto">
-          <a:xfrm>
-            <a:off x="1524000" y="0"/>
-            <a:ext cx="9144000" cy="6858000"/>
-          </a:xfrm>
-          <a:prstGeom prst="rect">
-            <a:avLst/>
-          </a:prstGeom>
-          <a:noFill/>
-          <a:ln>
-            <a:noFill/>
-          </a:ln>
-          <a:effectLst/>
-          <a:extLst>
-            <a:ext uri="{909E8E84-426E-40DD-AFC4-6F175D3DCCD1}">
-              <a14:hiddenFill xmlns:a14="http://schemas.microsoft.com/office/drawing/2010/main">
-                <a:solidFill>
-                  <a:srgbClr val="FFFFFF"/>
-                </a:solidFill>
-              </a14:hiddenFill>
-            </a:ext>
-            <a:ext uri="{91240B29-F687-4F45-9708-019B960494DF}">
-              <a14:hiddenLine xmlns:a14="http://schemas.microsoft.com/office/drawing/2010/main" w="9525">
-                <a:solidFill>
-                  <a:srgbClr val="000000"/>
-                </a:solidFill>
-                <a:miter lim="800000"/>
-                <a:headEnd/>
-                <a:tailEnd/>
-              </a14:hiddenLine>
-            </a:ext>
-            <a:ext uri="{AF507438-7753-43E0-B8FC-AC1667EBCBE1}">
-              <a14:hiddenEffects xmlns:a14="http://schemas.microsoft.com/office/drawing/2010/main">
-                <a:effectLst>
-                  <a:outerShdw dist="35921" dir="2700000" algn="ctr" rotWithShape="0">
-                    <a:srgbClr val="808080"/>
-                  </a:outerShdw>
-                </a:effectLst>
-              </a14:hiddenEffects>
-            </a:ext>
-          </a:extLst>
-        </p:spPr>
-      </p:pic>
     </p:spTree>
   </p:cSld>
   <p:clrMapOvr>
     <a:masterClrMapping/>
   </p:clrMapOvr>
-  <p:timing>
-    <p:tnLst>
-      <p:par>
-        <p:cTn id="1" dur="indefinite" restart="never" nodeType="tmRoot">
-          <p:childTnLst>
-            <p:seq concurrent="1" nextAc="seek">
-              <p:cTn id="2" dur="indefinite" nodeType="mainSeq">
-                <p:childTnLst>
-                  <p:par>
-                    <p:cTn id="3" fill="hold" nodeType="clickPar">
-                      <p:stCondLst>
-                        <p:cond delay="indefinite"/>
-                      </p:stCondLst>
-                      <p:childTnLst>
-                        <p:par>
-                          <p:cTn id="4" fill="hold" nodeType="withGroup">
-                            <p:stCondLst>
-                              <p:cond delay="0"/>
-                            </p:stCondLst>
-                            <p:childTnLst>
-                              <p:par>
-                                <p:cTn id="5" presetID="10" presetClass="entr" presetSubtype="0" fill="hold" nodeType="clickEffect">
-                                  <p:stCondLst>
-                                    <p:cond delay="0"/>
-                                  </p:stCondLst>
-                                  <p:childTnLst>
-                                    <p:set>
-                                      <p:cBhvr>
-                                        <p:cTn id="6" dur="1" fill="hold">
-                                          <p:stCondLst>
-                                            <p:cond delay="0"/>
-                                          </p:stCondLst>
-                                        </p:cTn>
-                                        <p:tgtEl>
-                                          <p:spTgt spid="1353731"/>
-                                        </p:tgtEl>
-                                        <p:attrNameLst>
-                                          <p:attrName>style.visibility</p:attrName>
-                                        </p:attrNameLst>
-                                      </p:cBhvr>
-                                      <p:to>
-                                        <p:strVal val="visible"/>
-                                      </p:to>
-                                    </p:set>
-                                    <p:animEffect transition="in" filter="fade">
-                                      <p:cBhvr>
-                                        <p:cTn id="7" dur="500"/>
-                                        <p:tgtEl>
-                                          <p:spTgt spid="1353731"/>
-                                        </p:tgtEl>
-                                      </p:cBhvr>
-                                    </p:animEffect>
-                                  </p:childTnLst>
-                                </p:cTn>
-                              </p:par>
-                            </p:childTnLst>
-                          </p:cTn>
-                        </p:par>
-                      </p:childTnLst>
-                    </p:cTn>
-                  </p:par>
-                </p:childTnLst>
-              </p:cTn>
-              <p:prevCondLst>
-                <p:cond evt="onPrev" delay="0">
-                  <p:tgtEl>
-                    <p:sldTgt/>
-                  </p:tgtEl>
-                </p:cond>
-              </p:prevCondLst>
-              <p:nextCondLst>
-                <p:cond evt="onNext" delay="0">
-                  <p:tgtEl>
-                    <p:sldTgt/>
-                  </p:tgtEl>
-                </p:cond>
-              </p:nextCondLst>
-            </p:seq>
-          </p:childTnLst>
-        </p:cTn>
-      </p:par>
-    </p:tnLst>
-  </p:timing>
 </p:sld>
 </file>
 
